--- a/docs/화면 설계.pptx
+++ b/docs/화면 설계.pptx
@@ -41327,7 +41327,7 @@
         </p:nvSpPr>
         <p:spPr>
           <a:xfrm>
-            <a:off x="604837" y="1727178"/>
+            <a:off x="604837" y="2080848"/>
             <a:ext cx="3530751" cy="1564737"/>
           </a:xfrm>
           <a:prstGeom prst="roundRect">
@@ -41439,7 +41439,7 @@
         </p:nvSpPr>
         <p:spPr>
           <a:xfrm>
-            <a:off x="604837" y="3461079"/>
+            <a:off x="604837" y="3814749"/>
             <a:ext cx="3530751" cy="1564737"/>
           </a:xfrm>
           <a:prstGeom prst="roundRect">
@@ -41553,7 +41553,7 @@
         </p:nvSpPr>
         <p:spPr>
           <a:xfrm>
-            <a:off x="604836" y="5194980"/>
+            <a:off x="604836" y="5548650"/>
             <a:ext cx="3530751" cy="1564737"/>
           </a:xfrm>
           <a:prstGeom prst="roundRect">
@@ -41786,6 +41786,95 @@
                 <a:schemeClr val="bg1"/>
               </a:solidFill>
             </a:endParaRPr>
+          </a:p>
+        </p:txBody>
+      </p:sp>
+      <p:pic>
+        <p:nvPicPr>
+          <p:cNvPr id="22" name="그래픽 21" descr="추가">
+            <a:extLst>
+              <a:ext uri="{FF2B5EF4-FFF2-40B4-BE49-F238E27FC236}">
+                <a16:creationId xmlns:a16="http://schemas.microsoft.com/office/drawing/2014/main" id="{54BE6CBE-24EF-1A46-84C6-B30309A66B4D}"/>
+              </a:ext>
+            </a:extLst>
+          </p:cNvPr>
+          <p:cNvPicPr>
+            <a:picLocks noChangeAspect="1"/>
+          </p:cNvPicPr>
+          <p:nvPr/>
+        </p:nvPicPr>
+        <p:blipFill>
+          <a:blip r:embed="rId8">
+            <a:extLst>
+              <a:ext uri="{96DAC541-7B7A-43D3-8B79-37D633B846F1}">
+                <asvg:svgBlip xmlns:asvg="http://schemas.microsoft.com/office/drawing/2016/SVG/main" r:embed="rId9"/>
+              </a:ext>
+            </a:extLst>
+          </a:blip>
+          <a:stretch>
+            <a:fillRect/>
+          </a:stretch>
+        </p:blipFill>
+        <p:spPr>
+          <a:xfrm>
+            <a:off x="2188839" y="1589019"/>
+            <a:ext cx="369332" cy="369332"/>
+          </a:xfrm>
+          <a:prstGeom prst="rect">
+            <a:avLst/>
+          </a:prstGeom>
+        </p:spPr>
+      </p:pic>
+      <p:sp>
+        <p:nvSpPr>
+          <p:cNvPr id="7" name="모서리가 둥근 사각형 설명선[R] 6">
+            <a:extLst>
+              <a:ext uri="{FF2B5EF4-FFF2-40B4-BE49-F238E27FC236}">
+                <a16:creationId xmlns:a16="http://schemas.microsoft.com/office/drawing/2014/main" id="{6C39DB1F-52A0-A14E-872D-DB0276CF26F7}"/>
+              </a:ext>
+            </a:extLst>
+          </p:cNvPr>
+          <p:cNvSpPr/>
+          <p:nvPr/>
+        </p:nvSpPr>
+        <p:spPr>
+          <a:xfrm>
+            <a:off x="2963119" y="330970"/>
+            <a:ext cx="2091118" cy="776609"/>
+          </a:xfrm>
+          <a:prstGeom prst="wedgeRoundRectCallout">
+            <a:avLst>
+              <a:gd name="adj1" fmla="val -74621"/>
+              <a:gd name="adj2" fmla="val 116155"/>
+              <a:gd name="adj3" fmla="val 16667"/>
+            </a:avLst>
+          </a:prstGeom>
+        </p:spPr>
+        <p:style>
+          <a:lnRef idx="2">
+            <a:schemeClr val="accent1">
+              <a:shade val="50000"/>
+            </a:schemeClr>
+          </a:lnRef>
+          <a:fillRef idx="1">
+            <a:schemeClr val="accent1"/>
+          </a:fillRef>
+          <a:effectRef idx="0">
+            <a:schemeClr val="accent1"/>
+          </a:effectRef>
+          <a:fontRef idx="minor">
+            <a:schemeClr val="lt1"/>
+          </a:fontRef>
+        </p:style>
+        <p:txBody>
+          <a:bodyPr rtlCol="0" anchor="ctr"/>
+          <a:lstStyle/>
+          <a:p>
+            <a:pPr algn="ctr"/>
+            <a:r>
+              <a:rPr kumimoji="1" lang="ko-KR" altLang="en-US" dirty="0"/>
+              <a:t>관리자만보임</a:t>
+            </a:r>
           </a:p>
         </p:txBody>
       </p:sp>
@@ -42824,7 +42913,7 @@
         </p:nvSpPr>
         <p:spPr>
           <a:xfrm>
-            <a:off x="604837" y="1727178"/>
+            <a:off x="612068" y="2066380"/>
             <a:ext cx="3530751" cy="1564737"/>
           </a:xfrm>
           <a:prstGeom prst="roundRect">
@@ -42936,7 +43025,7 @@
         </p:nvSpPr>
         <p:spPr>
           <a:xfrm>
-            <a:off x="604837" y="3461079"/>
+            <a:off x="612068" y="3800281"/>
             <a:ext cx="3530751" cy="1564737"/>
           </a:xfrm>
           <a:prstGeom prst="roundRect">
@@ -43050,7 +43139,7 @@
         </p:nvSpPr>
         <p:spPr>
           <a:xfrm>
-            <a:off x="604836" y="5194980"/>
+            <a:off x="612067" y="5534182"/>
             <a:ext cx="3530751" cy="1564737"/>
           </a:xfrm>
           <a:prstGeom prst="roundRect">
@@ -43283,6 +43372,95 @@
                 <a:schemeClr val="bg1"/>
               </a:solidFill>
             </a:endParaRPr>
+          </a:p>
+        </p:txBody>
+      </p:sp>
+      <p:pic>
+        <p:nvPicPr>
+          <p:cNvPr id="22" name="그래픽 21" descr="추가">
+            <a:extLst>
+              <a:ext uri="{FF2B5EF4-FFF2-40B4-BE49-F238E27FC236}">
+                <a16:creationId xmlns:a16="http://schemas.microsoft.com/office/drawing/2014/main" id="{578062D5-9429-5641-BA3D-AB8B4F5C0657}"/>
+              </a:ext>
+            </a:extLst>
+          </p:cNvPr>
+          <p:cNvPicPr>
+            <a:picLocks noChangeAspect="1"/>
+          </p:cNvPicPr>
+          <p:nvPr/>
+        </p:nvPicPr>
+        <p:blipFill>
+          <a:blip r:embed="rId8">
+            <a:extLst>
+              <a:ext uri="{96DAC541-7B7A-43D3-8B79-37D633B846F1}">
+                <asvg:svgBlip xmlns:asvg="http://schemas.microsoft.com/office/drawing/2016/SVG/main" r:embed="rId9"/>
+              </a:ext>
+            </a:extLst>
+          </a:blip>
+          <a:stretch>
+            <a:fillRect/>
+          </a:stretch>
+        </p:blipFill>
+        <p:spPr>
+          <a:xfrm>
+            <a:off x="2188839" y="1589019"/>
+            <a:ext cx="369332" cy="369332"/>
+          </a:xfrm>
+          <a:prstGeom prst="rect">
+            <a:avLst/>
+          </a:prstGeom>
+        </p:spPr>
+      </p:pic>
+      <p:sp>
+        <p:nvSpPr>
+          <p:cNvPr id="24" name="모서리가 둥근 사각형 설명선[R] 23">
+            <a:extLst>
+              <a:ext uri="{FF2B5EF4-FFF2-40B4-BE49-F238E27FC236}">
+                <a16:creationId xmlns:a16="http://schemas.microsoft.com/office/drawing/2014/main" id="{33D9F868-3478-2942-9A32-7EEC41931651}"/>
+              </a:ext>
+            </a:extLst>
+          </p:cNvPr>
+          <p:cNvSpPr/>
+          <p:nvPr/>
+        </p:nvSpPr>
+        <p:spPr>
+          <a:xfrm>
+            <a:off x="2963119" y="330970"/>
+            <a:ext cx="2091118" cy="776609"/>
+          </a:xfrm>
+          <a:prstGeom prst="wedgeRoundRectCallout">
+            <a:avLst>
+              <a:gd name="adj1" fmla="val -74621"/>
+              <a:gd name="adj2" fmla="val 116155"/>
+              <a:gd name="adj3" fmla="val 16667"/>
+            </a:avLst>
+          </a:prstGeom>
+        </p:spPr>
+        <p:style>
+          <a:lnRef idx="2">
+            <a:schemeClr val="accent1">
+              <a:shade val="50000"/>
+            </a:schemeClr>
+          </a:lnRef>
+          <a:fillRef idx="1">
+            <a:schemeClr val="accent1"/>
+          </a:fillRef>
+          <a:effectRef idx="0">
+            <a:schemeClr val="accent1"/>
+          </a:effectRef>
+          <a:fontRef idx="minor">
+            <a:schemeClr val="lt1"/>
+          </a:fontRef>
+        </p:style>
+        <p:txBody>
+          <a:bodyPr rtlCol="0" anchor="ctr"/>
+          <a:lstStyle/>
+          <a:p>
+            <a:pPr algn="ctr"/>
+            <a:r>
+              <a:rPr kumimoji="1" lang="ko-KR" altLang="en-US" dirty="0"/>
+              <a:t>관리자만보임</a:t>
+            </a:r>
           </a:p>
         </p:txBody>
       </p:sp>
@@ -46913,7 +47091,7 @@
                   <a:schemeClr val="bg1"/>
                 </a:solidFill>
               </a:rPr>
-              <a:t> 프로젝트 목록</a:t>
+              <a:t> 프로젝트 관리</a:t>
             </a:r>
             <a:endParaRPr kumimoji="1" lang="en-US" altLang="ko-KR" sz="1600" dirty="0">
               <a:solidFill>
@@ -48693,7 +48871,7 @@
                   <a:schemeClr val="bg1"/>
                 </a:solidFill>
               </a:rPr>
-              <a:t> 프로젝트 목록</a:t>
+              <a:t> 프로젝트 관리</a:t>
             </a:r>
             <a:endParaRPr kumimoji="1" lang="en-US" altLang="ko-KR" sz="1600" dirty="0">
               <a:solidFill>
